--- a/리볼트데이_이슈_추리모드_레벨디자인 문서.pptx
+++ b/리볼트데이_이슈_추리모드_레벨디자인 문서.pptx
@@ -6302,23 +6302,7 @@
                   <a:schemeClr val="tx1"/>
                 </a:solidFill>
               </a:rPr>
-              <a:t>번 오브젝트 </a:t>
-            </a:r>
-            <a:r>
-              <a:rPr lang="ko-KR" altLang="en-US" b="1" dirty="0" smtClean="0">
-                <a:solidFill>
-                  <a:schemeClr val="tx1"/>
-                </a:solidFill>
-              </a:rPr>
-              <a:t>클릭 포함 </a:t>
-            </a:r>
-            <a:r>
-              <a:rPr lang="ko-KR" altLang="en-US" b="1" dirty="0" smtClean="0">
-                <a:solidFill>
-                  <a:schemeClr val="tx1"/>
-                </a:solidFill>
-              </a:rPr>
-              <a:t>시 이벤트 이탈</a:t>
+              <a:t>번 오브젝트 클릭 포함 시 이벤트 이탈</a:t>
             </a:r>
             <a:r>
               <a:rPr lang="en-US" altLang="ko-KR" b="1" dirty="0" smtClean="0">
@@ -6492,11 +6476,6 @@
               </a:rPr>
               <a:t>.”</a:t>
             </a:r>
-            <a:endParaRPr lang="en-US" altLang="ko-KR" dirty="0" smtClean="0">
-              <a:solidFill>
-                <a:schemeClr val="tx1"/>
-              </a:solidFill>
-            </a:endParaRPr>
           </a:p>
         </p:txBody>
       </p:sp>
@@ -7348,7 +7327,7 @@
         </p:nvSpPr>
         <p:spPr>
           <a:xfrm>
-            <a:off x="610575" y="561082"/>
+            <a:off x="787078" y="208872"/>
             <a:ext cx="6330462" cy="3798277"/>
           </a:xfrm>
           <a:prstGeom prst="rect">
@@ -7511,7 +7490,7 @@
         </p:nvSpPr>
         <p:spPr>
           <a:xfrm>
-            <a:off x="138545" y="79131"/>
+            <a:off x="667218" y="-466069"/>
             <a:ext cx="2955637" cy="369332"/>
           </a:xfrm>
           <a:prstGeom prst="rect">
@@ -8857,62 +8836,22 @@
                   <a:schemeClr val="tx1"/>
                 </a:solidFill>
               </a:rPr>
-              <a:t>번이 포함된 </a:t>
-            </a:r>
+              <a:t>번이 포함된 오브젝트 클릭 시 </a:t>
+            </a:r>
+            <a:endParaRPr lang="en-US" altLang="ko-KR" b="1" dirty="0" smtClean="0">
+              <a:solidFill>
+                <a:schemeClr val="tx1"/>
+              </a:solidFill>
+            </a:endParaRPr>
+          </a:p>
+          <a:p>
             <a:r>
               <a:rPr lang="ko-KR" altLang="en-US" b="1" dirty="0" smtClean="0">
                 <a:solidFill>
                   <a:schemeClr val="tx1"/>
                 </a:solidFill>
               </a:rPr>
-              <a:t>오브젝트 </a:t>
-            </a:r>
-            <a:r>
-              <a:rPr lang="ko-KR" altLang="en-US" b="1" dirty="0" smtClean="0">
-                <a:solidFill>
-                  <a:schemeClr val="tx1"/>
-                </a:solidFill>
-              </a:rPr>
-              <a:t>클릭 시</a:t>
-            </a:r>
-            <a:r>
-              <a:rPr lang="ko-KR" altLang="en-US" b="1" dirty="0" smtClean="0">
-                <a:solidFill>
-                  <a:schemeClr val="tx1"/>
-                </a:solidFill>
-              </a:rPr>
-              <a:t> </a:t>
-            </a:r>
-            <a:endParaRPr lang="en-US" altLang="ko-KR" b="1" dirty="0" smtClean="0">
-              <a:solidFill>
-                <a:schemeClr val="tx1"/>
-              </a:solidFill>
-            </a:endParaRPr>
-          </a:p>
-          <a:p>
-            <a:r>
-              <a:rPr lang="ko-KR" altLang="en-US" b="1" dirty="0" smtClean="0">
-                <a:solidFill>
-                  <a:schemeClr val="tx1"/>
-                </a:solidFill>
-              </a:rPr>
-              <a:t>터치했을 </a:t>
-            </a:r>
-            <a:r>
-              <a:rPr lang="ko-KR" altLang="en-US" b="1" dirty="0" smtClean="0">
-                <a:solidFill>
-                  <a:schemeClr val="tx1"/>
-                </a:solidFill>
-              </a:rPr>
-              <a:t>시 </a:t>
-            </a:r>
-            <a:r>
-              <a:rPr lang="ko-KR" altLang="en-US" b="1" dirty="0" smtClean="0">
-                <a:solidFill>
-                  <a:schemeClr val="tx1"/>
-                </a:solidFill>
-              </a:rPr>
-              <a:t>이벤트 이탈</a:t>
+              <a:t>터치했을 시 이벤트 이탈</a:t>
             </a:r>
             <a:r>
               <a:rPr lang="en-US" altLang="ko-KR" b="1" dirty="0" smtClean="0">
@@ -8922,11 +8861,6 @@
               </a:rPr>
               <a:t>.</a:t>
             </a:r>
-            <a:endParaRPr lang="en-US" altLang="ko-KR" b="1" dirty="0" smtClean="0">
-              <a:solidFill>
-                <a:schemeClr val="tx1"/>
-              </a:solidFill>
-            </a:endParaRPr>
           </a:p>
           <a:p>
             <a:endParaRPr lang="en-US" altLang="ko-KR" b="1" dirty="0">
@@ -11926,23 +11860,7 @@
                   <a:schemeClr val="tx1"/>
                 </a:solidFill>
               </a:rPr>
-              <a:t> 이벤트</a:t>
-            </a:r>
-            <a:r>
-              <a:rPr lang="ko-KR" altLang="en-US" b="1" dirty="0" smtClean="0">
-                <a:solidFill>
-                  <a:schemeClr val="tx1"/>
-                </a:solidFill>
-              </a:rPr>
-              <a:t> </a:t>
-            </a:r>
-            <a:r>
-              <a:rPr lang="ko-KR" altLang="en-US" b="1" dirty="0" smtClean="0">
-                <a:solidFill>
-                  <a:schemeClr val="tx1"/>
-                </a:solidFill>
-              </a:rPr>
-              <a:t>이탈</a:t>
+              <a:t> 이벤트 이탈</a:t>
             </a:r>
             <a:r>
               <a:rPr lang="en-US" altLang="ko-KR" b="1" dirty="0" smtClean="0">
@@ -11952,11 +11870,6 @@
               </a:rPr>
               <a:t>.</a:t>
             </a:r>
-            <a:endParaRPr lang="en-US" altLang="ko-KR" b="1" dirty="0" smtClean="0">
-              <a:solidFill>
-                <a:schemeClr val="tx1"/>
-              </a:solidFill>
-            </a:endParaRPr>
           </a:p>
           <a:p>
             <a:pPr algn="ctr"/>
@@ -12103,15 +12016,7 @@
                   <a:schemeClr val="tx1"/>
                 </a:solidFill>
               </a:rPr>
-              <a:t>가해 학생이 </a:t>
-            </a:r>
-            <a:r>
-              <a:rPr lang="ko-KR" altLang="en-US" dirty="0" smtClean="0">
-                <a:solidFill>
-                  <a:schemeClr val="tx1"/>
-                </a:solidFill>
-              </a:rPr>
-              <a:t>옥상에서 투신했다</a:t>
+              <a:t>가해 학생이 옥상에서 투신했다</a:t>
             </a:r>
             <a:r>
               <a:rPr lang="en-US" altLang="ko-KR" dirty="0" smtClean="0">
@@ -12119,15 +12024,7 @@
                   <a:schemeClr val="tx1"/>
                 </a:solidFill>
               </a:rPr>
-              <a:t>.</a:t>
-            </a:r>
-            <a:r>
-              <a:rPr lang="en-US" altLang="ko-KR" dirty="0" smtClean="0">
-                <a:solidFill>
-                  <a:schemeClr val="tx1"/>
-                </a:solidFill>
-              </a:rPr>
-              <a:t> </a:t>
+              <a:t>. </a:t>
             </a:r>
             <a:r>
               <a:rPr lang="ko-KR" altLang="en-US" dirty="0" smtClean="0">
@@ -12327,15 +12224,7 @@
                   <a:schemeClr val="tx1"/>
                 </a:solidFill>
               </a:rPr>
-              <a:t>해자</a:t>
-            </a:r>
-            <a:r>
-              <a:rPr lang="ko-KR" altLang="en-US" b="1" dirty="0" smtClean="0">
-                <a:solidFill>
-                  <a:schemeClr val="tx1"/>
-                </a:solidFill>
-              </a:rPr>
-              <a:t> 자리</a:t>
+              <a:t>해자 자리</a:t>
             </a:r>
             <a:endParaRPr lang="ko-KR" altLang="en-US" b="1" dirty="0">
               <a:solidFill>
@@ -12390,15 +12279,7 @@
                   <a:schemeClr val="tx1"/>
                 </a:solidFill>
               </a:rPr>
-              <a:t>가해자</a:t>
-            </a:r>
-            <a:r>
-              <a:rPr lang="ko-KR" altLang="en-US" b="1" dirty="0" smtClean="0">
-                <a:solidFill>
-                  <a:schemeClr val="tx1"/>
-                </a:solidFill>
-              </a:rPr>
-              <a:t> 자리</a:t>
+              <a:t>가해자 자리</a:t>
             </a:r>
             <a:endParaRPr lang="ko-KR" altLang="en-US" b="1" dirty="0">
               <a:solidFill>

--- a/리볼트데이_이슈_추리모드_레벨디자인 문서.pptx
+++ b/리볼트데이_이슈_추리모드_레벨디자인 문서.pptx
@@ -2991,7 +2991,7 @@
         <p:spPr>
           <a:xfrm>
             <a:off x="1248507" y="1063869"/>
-            <a:ext cx="5776546" cy="2585323"/>
+            <a:ext cx="5776546" cy="3139321"/>
           </a:xfrm>
           <a:prstGeom prst="rect">
             <a:avLst/>
@@ -3082,6 +3082,31 @@
             <a:r>
               <a:rPr lang="en-US" altLang="ko-KR" dirty="0" smtClean="0"/>
               <a:t>.</a:t>
+            </a:r>
+          </a:p>
+          <a:p>
+            <a:endParaRPr lang="en-US" altLang="ko-KR" dirty="0"/>
+          </a:p>
+          <a:p>
+            <a:r>
+              <a:rPr lang="en-US" altLang="ko-KR" dirty="0" smtClean="0"/>
+              <a:t>-</a:t>
+            </a:r>
+            <a:r>
+              <a:rPr lang="ko-KR" altLang="en-US" dirty="0" smtClean="0"/>
+              <a:t>이탈은 해당 이벤트를 </a:t>
+            </a:r>
+            <a:r>
+              <a:rPr lang="ko-KR" altLang="en-US" dirty="0" err="1" smtClean="0"/>
+              <a:t>클리어</a:t>
+            </a:r>
+            <a:r>
+              <a:rPr lang="ko-KR" altLang="en-US" dirty="0" smtClean="0"/>
+              <a:t> 했음을 의미한다</a:t>
+            </a:r>
+            <a:r>
+              <a:rPr lang="en-US" altLang="ko-KR" dirty="0" smtClean="0"/>
+              <a:t>. //PM</a:t>
             </a:r>
             <a:endParaRPr lang="ko-KR" altLang="en-US" dirty="0"/>
           </a:p>
